--- a/(宣道詩212)親愛耶穌.pptx
+++ b/(宣道詩212)親愛耶穌.pptx
@@ -10,7 +10,7 @@
     <p:sldId id="258" r:id="rId4"/>
     <p:sldId id="259" r:id="rId5"/>
   </p:sldIdLst>
-  <p:sldSz cx="9144000" cy="6858000" type="screen4x3"/>
+  <p:sldSz cx="12192000" cy="6858000"/>
   <p:notesSz cx="6858000" cy="9144000"/>
   <p:defaultTextStyle>
     <a:defPPr>
@@ -107,6 +107,22 @@
       </a:defRPr>
     </a:lvl9pPr>
   </p:defaultTextStyle>
+  <p:extLst>
+    <p:ext uri="{EFAFB233-063F-42B5-8137-9DF3F51BA10A}">
+      <p15:sldGuideLst xmlns:p15="http://schemas.microsoft.com/office/powerpoint/2012/main">
+        <p15:guide id="1" orient="horz" pos="2160" userDrawn="1">
+          <p15:clr>
+            <a:srgbClr val="A4A3A4"/>
+          </p15:clr>
+        </p15:guide>
+        <p15:guide id="2" pos="3840" userDrawn="1">
+          <p15:clr>
+            <a:srgbClr val="A4A3A4"/>
+          </p15:clr>
+        </p15:guide>
+      </p15:sldGuideLst>
+    </p:ext>
+  </p:extLst>
 </p:presentation>
 </file>
 
@@ -139,8 +155,8 @@
         </p:nvSpPr>
         <p:spPr>
           <a:xfrm>
-            <a:off x="685800" y="2130425"/>
-            <a:ext cx="7772400" cy="1470025"/>
+            <a:off x="914400" y="2130426"/>
+            <a:ext cx="10363200" cy="1470025"/>
           </a:xfrm>
         </p:spPr>
         <p:txBody>
@@ -167,8 +183,8 @@
         </p:nvSpPr>
         <p:spPr>
           <a:xfrm>
-            <a:off x="1371600" y="3886200"/>
-            <a:ext cx="6400800" cy="1752600"/>
+            <a:off x="1828800" y="3886200"/>
+            <a:ext cx="8534400" cy="1752600"/>
           </a:xfrm>
         </p:spPr>
         <p:txBody>
@@ -292,7 +308,7 @@
             <a:fld id="{7CE15595-A96D-4CC1-8386-BF68892F9851}" type="datetimeFigureOut">
               <a:rPr lang="zh-TW" altLang="en-US" smtClean="0"/>
               <a:pPr/>
-              <a:t>2017/9/3</a:t>
+              <a:t>2020/5/16</a:t>
             </a:fld>
             <a:endParaRPr lang="zh-TW" altLang="en-US"/>
           </a:p>
@@ -459,7 +475,7 @@
             <a:fld id="{7CE15595-A96D-4CC1-8386-BF68892F9851}" type="datetimeFigureOut">
               <a:rPr lang="zh-TW" altLang="en-US" smtClean="0"/>
               <a:pPr/>
-              <a:t>2017/9/3</a:t>
+              <a:t>2020/5/16</a:t>
             </a:fld>
             <a:endParaRPr lang="zh-TW" altLang="en-US"/>
           </a:p>
@@ -545,8 +561,8 @@
         </p:nvSpPr>
         <p:spPr>
           <a:xfrm>
-            <a:off x="6629400" y="274638"/>
-            <a:ext cx="2057400" cy="5851525"/>
+            <a:off x="8839200" y="274639"/>
+            <a:ext cx="2743200" cy="5851525"/>
           </a:xfrm>
         </p:spPr>
         <p:txBody>
@@ -573,8 +589,8 @@
         </p:nvSpPr>
         <p:spPr>
           <a:xfrm>
-            <a:off x="457200" y="274638"/>
-            <a:ext cx="6019800" cy="5851525"/>
+            <a:off x="609600" y="274639"/>
+            <a:ext cx="8026400" cy="5851525"/>
           </a:xfrm>
         </p:spPr>
         <p:txBody>
@@ -636,7 +652,7 @@
             <a:fld id="{7CE15595-A96D-4CC1-8386-BF68892F9851}" type="datetimeFigureOut">
               <a:rPr lang="zh-TW" altLang="en-US" smtClean="0"/>
               <a:pPr/>
-              <a:t>2017/9/3</a:t>
+              <a:t>2020/5/16</a:t>
             </a:fld>
             <a:endParaRPr lang="zh-TW" altLang="en-US"/>
           </a:p>
@@ -803,7 +819,7 @@
             <a:fld id="{7CE15595-A96D-4CC1-8386-BF68892F9851}" type="datetimeFigureOut">
               <a:rPr lang="zh-TW" altLang="en-US" smtClean="0"/>
               <a:pPr/>
-              <a:t>2017/9/3</a:t>
+              <a:t>2020/5/16</a:t>
             </a:fld>
             <a:endParaRPr lang="zh-TW" altLang="en-US"/>
           </a:p>
@@ -889,8 +905,8 @@
         </p:nvSpPr>
         <p:spPr>
           <a:xfrm>
-            <a:off x="722313" y="4406900"/>
-            <a:ext cx="7772400" cy="1362075"/>
+            <a:off x="963084" y="4406901"/>
+            <a:ext cx="10363200" cy="1362075"/>
           </a:xfrm>
         </p:spPr>
         <p:txBody>
@@ -921,8 +937,8 @@
         </p:nvSpPr>
         <p:spPr>
           <a:xfrm>
-            <a:off x="722313" y="2906713"/>
-            <a:ext cx="7772400" cy="1500187"/>
+            <a:off x="963084" y="2906713"/>
+            <a:ext cx="10363200" cy="1500187"/>
           </a:xfrm>
         </p:spPr>
         <p:txBody>
@@ -1046,7 +1062,7 @@
             <a:fld id="{7CE15595-A96D-4CC1-8386-BF68892F9851}" type="datetimeFigureOut">
               <a:rPr lang="zh-TW" altLang="en-US" smtClean="0"/>
               <a:pPr/>
-              <a:t>2017/9/3</a:t>
+              <a:t>2020/5/16</a:t>
             </a:fld>
             <a:endParaRPr lang="zh-TW" altLang="en-US"/>
           </a:p>
@@ -1155,8 +1171,8 @@
         </p:nvSpPr>
         <p:spPr>
           <a:xfrm>
-            <a:off x="457200" y="1600200"/>
-            <a:ext cx="4038600" cy="4525963"/>
+            <a:off x="609600" y="1600201"/>
+            <a:ext cx="5384800" cy="4525963"/>
           </a:xfrm>
         </p:spPr>
         <p:txBody>
@@ -1240,8 +1256,8 @@
         </p:nvSpPr>
         <p:spPr>
           <a:xfrm>
-            <a:off x="4648200" y="1600200"/>
-            <a:ext cx="4038600" cy="4525963"/>
+            <a:off x="6197600" y="1600201"/>
+            <a:ext cx="5384800" cy="4525963"/>
           </a:xfrm>
         </p:spPr>
         <p:txBody>
@@ -1331,7 +1347,7 @@
             <a:fld id="{7CE15595-A96D-4CC1-8386-BF68892F9851}" type="datetimeFigureOut">
               <a:rPr lang="zh-TW" altLang="en-US" smtClean="0"/>
               <a:pPr/>
-              <a:t>2017/9/3</a:t>
+              <a:t>2020/5/16</a:t>
             </a:fld>
             <a:endParaRPr lang="zh-TW" altLang="en-US"/>
           </a:p>
@@ -1444,8 +1460,8 @@
         </p:nvSpPr>
         <p:spPr>
           <a:xfrm>
-            <a:off x="457200" y="1535113"/>
-            <a:ext cx="4040188" cy="639762"/>
+            <a:off x="609600" y="1535113"/>
+            <a:ext cx="5386917" cy="639762"/>
           </a:xfrm>
         </p:spPr>
         <p:txBody>
@@ -1509,8 +1525,8 @@
         </p:nvSpPr>
         <p:spPr>
           <a:xfrm>
-            <a:off x="457200" y="2174875"/>
-            <a:ext cx="4040188" cy="3951288"/>
+            <a:off x="609600" y="2174875"/>
+            <a:ext cx="5386917" cy="3951288"/>
           </a:xfrm>
         </p:spPr>
         <p:txBody>
@@ -1594,8 +1610,8 @@
         </p:nvSpPr>
         <p:spPr>
           <a:xfrm>
-            <a:off x="4645025" y="1535113"/>
-            <a:ext cx="4041775" cy="639762"/>
+            <a:off x="6193368" y="1535113"/>
+            <a:ext cx="5389033" cy="639762"/>
           </a:xfrm>
         </p:spPr>
         <p:txBody>
@@ -1659,8 +1675,8 @@
         </p:nvSpPr>
         <p:spPr>
           <a:xfrm>
-            <a:off x="4645025" y="2174875"/>
-            <a:ext cx="4041775" cy="3951288"/>
+            <a:off x="6193368" y="2174875"/>
+            <a:ext cx="5389033" cy="3951288"/>
           </a:xfrm>
         </p:spPr>
         <p:txBody>
@@ -1750,7 +1766,7 @@
             <a:fld id="{7CE15595-A96D-4CC1-8386-BF68892F9851}" type="datetimeFigureOut">
               <a:rPr lang="zh-TW" altLang="en-US" smtClean="0"/>
               <a:pPr/>
-              <a:t>2017/9/3</a:t>
+              <a:t>2020/5/16</a:t>
             </a:fld>
             <a:endParaRPr lang="zh-TW" altLang="en-US"/>
           </a:p>
@@ -1865,7 +1881,7 @@
             <a:fld id="{7CE15595-A96D-4CC1-8386-BF68892F9851}" type="datetimeFigureOut">
               <a:rPr lang="zh-TW" altLang="en-US" smtClean="0"/>
               <a:pPr/>
-              <a:t>2017/9/3</a:t>
+              <a:t>2020/5/16</a:t>
             </a:fld>
             <a:endParaRPr lang="zh-TW" altLang="en-US"/>
           </a:p>
@@ -1957,7 +1973,7 @@
             <a:fld id="{7CE15595-A96D-4CC1-8386-BF68892F9851}" type="datetimeFigureOut">
               <a:rPr lang="zh-TW" altLang="en-US" smtClean="0"/>
               <a:pPr/>
-              <a:t>2017/9/3</a:t>
+              <a:t>2020/5/16</a:t>
             </a:fld>
             <a:endParaRPr lang="zh-TW" altLang="en-US"/>
           </a:p>
@@ -2043,8 +2059,8 @@
         </p:nvSpPr>
         <p:spPr>
           <a:xfrm>
-            <a:off x="457200" y="273050"/>
-            <a:ext cx="3008313" cy="1162050"/>
+            <a:off x="609601" y="273050"/>
+            <a:ext cx="4011084" cy="1162050"/>
           </a:xfrm>
         </p:spPr>
         <p:txBody>
@@ -2075,8 +2091,8 @@
         </p:nvSpPr>
         <p:spPr>
           <a:xfrm>
-            <a:off x="3575050" y="273050"/>
-            <a:ext cx="5111750" cy="5853113"/>
+            <a:off x="4766733" y="273051"/>
+            <a:ext cx="6815667" cy="5853113"/>
           </a:xfrm>
         </p:spPr>
         <p:txBody>
@@ -2160,8 +2176,8 @@
         </p:nvSpPr>
         <p:spPr>
           <a:xfrm>
-            <a:off x="457200" y="1435100"/>
-            <a:ext cx="3008313" cy="4691063"/>
+            <a:off x="609601" y="1435101"/>
+            <a:ext cx="4011084" cy="4691063"/>
           </a:xfrm>
         </p:spPr>
         <p:txBody>
@@ -2231,7 +2247,7 @@
             <a:fld id="{7CE15595-A96D-4CC1-8386-BF68892F9851}" type="datetimeFigureOut">
               <a:rPr lang="zh-TW" altLang="en-US" smtClean="0"/>
               <a:pPr/>
-              <a:t>2017/9/3</a:t>
+              <a:t>2020/5/16</a:t>
             </a:fld>
             <a:endParaRPr lang="zh-TW" altLang="en-US"/>
           </a:p>
@@ -2317,8 +2333,8 @@
         </p:nvSpPr>
         <p:spPr>
           <a:xfrm>
-            <a:off x="1792288" y="4800600"/>
-            <a:ext cx="5486400" cy="566738"/>
+            <a:off x="2389717" y="4800600"/>
+            <a:ext cx="7315200" cy="566738"/>
           </a:xfrm>
         </p:spPr>
         <p:txBody>
@@ -2349,8 +2365,8 @@
         </p:nvSpPr>
         <p:spPr>
           <a:xfrm>
-            <a:off x="1792288" y="612775"/>
-            <a:ext cx="5486400" cy="4114800"/>
+            <a:off x="2389717" y="612775"/>
+            <a:ext cx="7315200" cy="4114800"/>
           </a:xfrm>
         </p:spPr>
         <p:txBody>
@@ -2414,8 +2430,8 @@
         </p:nvSpPr>
         <p:spPr>
           <a:xfrm>
-            <a:off x="1792288" y="5367338"/>
-            <a:ext cx="5486400" cy="804862"/>
+            <a:off x="2389717" y="5367338"/>
+            <a:ext cx="7315200" cy="804862"/>
           </a:xfrm>
         </p:spPr>
         <p:txBody>
@@ -2485,7 +2501,7 @@
             <a:fld id="{7CE15595-A96D-4CC1-8386-BF68892F9851}" type="datetimeFigureOut">
               <a:rPr lang="zh-TW" altLang="en-US" smtClean="0"/>
               <a:pPr/>
-              <a:t>2017/9/3</a:t>
+              <a:t>2020/5/16</a:t>
             </a:fld>
             <a:endParaRPr lang="zh-TW" altLang="en-US"/>
           </a:p>
@@ -2581,8 +2597,8 @@
         </p:nvSpPr>
         <p:spPr>
           <a:xfrm>
-            <a:off x="457200" y="274638"/>
-            <a:ext cx="8229600" cy="1143000"/>
+            <a:off x="609600" y="274638"/>
+            <a:ext cx="10972800" cy="1143000"/>
           </a:xfrm>
           <a:prstGeom prst="rect">
             <a:avLst/>
@@ -2614,8 +2630,8 @@
         </p:nvSpPr>
         <p:spPr>
           <a:xfrm>
-            <a:off x="457200" y="1600200"/>
-            <a:ext cx="8229600" cy="4525963"/>
+            <a:off x="609600" y="1600201"/>
+            <a:ext cx="10972800" cy="4525963"/>
           </a:xfrm>
           <a:prstGeom prst="rect">
             <a:avLst/>
@@ -2676,8 +2692,8 @@
         </p:nvSpPr>
         <p:spPr>
           <a:xfrm>
-            <a:off x="457200" y="6356350"/>
-            <a:ext cx="2133600" cy="365125"/>
+            <a:off x="609600" y="6356351"/>
+            <a:ext cx="2844800" cy="365125"/>
           </a:xfrm>
           <a:prstGeom prst="rect">
             <a:avLst/>
@@ -2700,7 +2716,7 @@
             <a:fld id="{7CE15595-A96D-4CC1-8386-BF68892F9851}" type="datetimeFigureOut">
               <a:rPr lang="zh-TW" altLang="en-US" smtClean="0"/>
               <a:pPr/>
-              <a:t>2017/9/3</a:t>
+              <a:t>2020/5/16</a:t>
             </a:fld>
             <a:endParaRPr lang="zh-TW" altLang="en-US"/>
           </a:p>
@@ -2718,8 +2734,8 @@
         </p:nvSpPr>
         <p:spPr>
           <a:xfrm>
-            <a:off x="3124200" y="6356350"/>
-            <a:ext cx="2895600" cy="365125"/>
+            <a:off x="4165600" y="6356351"/>
+            <a:ext cx="3860800" cy="365125"/>
           </a:xfrm>
           <a:prstGeom prst="rect">
             <a:avLst/>
@@ -2755,8 +2771,8 @@
         </p:nvSpPr>
         <p:spPr>
           <a:xfrm>
-            <a:off x="6553200" y="6356350"/>
-            <a:ext cx="2133600" cy="365125"/>
+            <a:off x="8737600" y="6356351"/>
+            <a:ext cx="2844800" cy="365125"/>
           </a:xfrm>
           <a:prstGeom prst="rect">
             <a:avLst/>
@@ -3083,11 +3099,13 @@
         </p:nvSpPr>
         <p:spPr/>
         <p:txBody>
-          <a:bodyPr/>
-          <a:lstStyle/>
-          <a:p>
-            <a:r>
-              <a:rPr lang="zh-TW" altLang="en-US" b="1" dirty="0">
+          <a:bodyPr>
+            <a:normAutofit/>
+          </a:bodyPr>
+          <a:lstStyle/>
+          <a:p>
+            <a:r>
+              <a:rPr lang="zh-TW" altLang="en-US" sz="4800" b="1" dirty="0">
                 <a:solidFill>
                   <a:srgbClr val="660033"/>
                 </a:solidFill>
@@ -3127,37 +3145,164 @@
                 <a:latin typeface="微軟正黑體" pitchFamily="34" charset="-120"/>
                 <a:ea typeface="微軟正黑體" pitchFamily="34" charset="-120"/>
               </a:rPr>
-              <a:t>主耶穌我愛你 深知我屬你</a:t>
-            </a:r>
-          </a:p>
-          <a:p>
-            <a:pPr algn="ctr">
-              <a:buNone/>
-            </a:pPr>
-            <a:r>
-              <a:rPr lang="zh-TW" altLang="en-US" sz="5400" b="1" dirty="0">
+              <a:t>主耶穌我</a:t>
+            </a:r>
+            <a:r>
+              <a:rPr lang="zh-TW" altLang="en-US" sz="5400" b="1" dirty="0" smtClean="0">
                 <a:solidFill>
                   <a:srgbClr val="660033"/>
                 </a:solidFill>
                 <a:latin typeface="微軟正黑體" pitchFamily="34" charset="-120"/>
                 <a:ea typeface="微軟正黑體" pitchFamily="34" charset="-120"/>
               </a:rPr>
-              <a:t>世上諸樂趣願為你全丟棄</a:t>
-            </a:r>
-          </a:p>
-          <a:p>
-            <a:pPr algn="ctr">
-              <a:buNone/>
-            </a:pPr>
-            <a:r>
-              <a:rPr lang="zh-TW" altLang="en-US" sz="5400" b="1" dirty="0">
+              <a:t>愛</a:t>
+            </a:r>
+            <a:r>
+              <a:rPr lang="zh-CN" altLang="en-US" sz="5400" b="1" dirty="0" smtClean="0">
                 <a:solidFill>
                   <a:srgbClr val="660033"/>
                 </a:solidFill>
                 <a:latin typeface="微軟正黑體" pitchFamily="34" charset="-120"/>
                 <a:ea typeface="微軟正黑體" pitchFamily="34" charset="-120"/>
               </a:rPr>
-              <a:t>你是我救主為我還清罪債</a:t>
+              <a:t>袮</a:t>
+            </a:r>
+            <a:r>
+              <a:rPr lang="zh-TW" altLang="en-US" sz="5400" b="1" dirty="0" smtClean="0">
+                <a:solidFill>
+                  <a:srgbClr val="660033"/>
+                </a:solidFill>
+                <a:latin typeface="微軟正黑體" pitchFamily="34" charset="-120"/>
+                <a:ea typeface="微軟正黑體" pitchFamily="34" charset="-120"/>
+              </a:rPr>
+              <a:t> </a:t>
+            </a:r>
+            <a:r>
+              <a:rPr lang="zh-TW" altLang="en-US" sz="5400" b="1" dirty="0">
+                <a:solidFill>
+                  <a:srgbClr val="660033"/>
+                </a:solidFill>
+                <a:latin typeface="微軟正黑體" pitchFamily="34" charset="-120"/>
+                <a:ea typeface="微軟正黑體" pitchFamily="34" charset="-120"/>
+              </a:rPr>
+              <a:t>深知我</a:t>
+            </a:r>
+            <a:r>
+              <a:rPr lang="zh-TW" altLang="en-US" sz="5400" b="1" dirty="0" smtClean="0">
+                <a:solidFill>
+                  <a:srgbClr val="660033"/>
+                </a:solidFill>
+                <a:latin typeface="微軟正黑體" pitchFamily="34" charset="-120"/>
+                <a:ea typeface="微軟正黑體" pitchFamily="34" charset="-120"/>
+              </a:rPr>
+              <a:t>屬</a:t>
+            </a:r>
+            <a:r>
+              <a:rPr lang="zh-CN" altLang="en-US" sz="5400" b="1" dirty="0">
+                <a:solidFill>
+                  <a:srgbClr val="660033"/>
+                </a:solidFill>
+                <a:latin typeface="微軟正黑體" pitchFamily="34" charset="-120"/>
+                <a:ea typeface="微軟正黑體" pitchFamily="34" charset="-120"/>
+              </a:rPr>
+              <a:t>袮</a:t>
+            </a:r>
+            <a:endParaRPr lang="zh-TW" altLang="en-US" sz="5400" b="1" dirty="0">
+              <a:solidFill>
+                <a:srgbClr val="660033"/>
+              </a:solidFill>
+              <a:latin typeface="微軟正黑體" pitchFamily="34" charset="-120"/>
+              <a:ea typeface="微軟正黑體" pitchFamily="34" charset="-120"/>
+            </a:endParaRPr>
+          </a:p>
+          <a:p>
+            <a:pPr algn="ctr">
+              <a:buNone/>
+            </a:pPr>
+            <a:r>
+              <a:rPr lang="zh-TW" altLang="en-US" sz="5400" b="1" dirty="0">
+                <a:solidFill>
+                  <a:srgbClr val="660033"/>
+                </a:solidFill>
+                <a:latin typeface="微軟正黑體" pitchFamily="34" charset="-120"/>
+                <a:ea typeface="微軟正黑體" pitchFamily="34" charset="-120"/>
+              </a:rPr>
+              <a:t>世上諸樂趣願</a:t>
+            </a:r>
+            <a:r>
+              <a:rPr lang="zh-TW" altLang="en-US" sz="5400" b="1" dirty="0" smtClean="0">
+                <a:solidFill>
+                  <a:srgbClr val="660033"/>
+                </a:solidFill>
+                <a:latin typeface="微軟正黑體" pitchFamily="34" charset="-120"/>
+                <a:ea typeface="微軟正黑體" pitchFamily="34" charset="-120"/>
+              </a:rPr>
+              <a:t>為</a:t>
+            </a:r>
+            <a:r>
+              <a:rPr lang="zh-CN" altLang="en-US" sz="5400" b="1" dirty="0">
+                <a:solidFill>
+                  <a:srgbClr val="660033"/>
+                </a:solidFill>
+                <a:latin typeface="微軟正黑體" pitchFamily="34" charset="-120"/>
+                <a:ea typeface="微軟正黑體" pitchFamily="34" charset="-120"/>
+              </a:rPr>
+              <a:t>袮</a:t>
+            </a:r>
+            <a:r>
+              <a:rPr lang="zh-TW" altLang="en-US" sz="5400" b="1" dirty="0" smtClean="0">
+                <a:solidFill>
+                  <a:srgbClr val="660033"/>
+                </a:solidFill>
+                <a:latin typeface="微軟正黑體" pitchFamily="34" charset="-120"/>
+                <a:ea typeface="微軟正黑體" pitchFamily="34" charset="-120"/>
+              </a:rPr>
+              <a:t>全</a:t>
+            </a:r>
+            <a:r>
+              <a:rPr lang="zh-TW" altLang="en-US" sz="5400" b="1" dirty="0">
+                <a:solidFill>
+                  <a:srgbClr val="660033"/>
+                </a:solidFill>
+                <a:latin typeface="微軟正黑體" pitchFamily="34" charset="-120"/>
+                <a:ea typeface="微軟正黑體" pitchFamily="34" charset="-120"/>
+              </a:rPr>
+              <a:t>丟棄</a:t>
+            </a:r>
+          </a:p>
+          <a:p>
+            <a:pPr algn="ctr">
+              <a:buNone/>
+            </a:pPr>
+            <a:r>
+              <a:rPr lang="zh-CN" altLang="en-US" sz="5400" b="1" dirty="0">
+                <a:solidFill>
+                  <a:srgbClr val="660033"/>
+                </a:solidFill>
+                <a:latin typeface="微軟正黑體" pitchFamily="34" charset="-120"/>
+                <a:ea typeface="微軟正黑體" pitchFamily="34" charset="-120"/>
+              </a:rPr>
+              <a:t>袮</a:t>
+            </a:r>
+            <a:r>
+              <a:rPr lang="zh-TW" altLang="en-US" sz="5400" b="1" dirty="0" smtClean="0">
+                <a:solidFill>
+                  <a:srgbClr val="660033"/>
+                </a:solidFill>
+                <a:latin typeface="微軟正黑體" pitchFamily="34" charset="-120"/>
+                <a:ea typeface="微軟正黑體" pitchFamily="34" charset="-120"/>
+              </a:rPr>
+              <a:t>是</a:t>
+            </a:r>
+            <a:r>
+              <a:rPr lang="zh-TW" altLang="en-US" sz="5400" b="1" dirty="0">
+                <a:solidFill>
+                  <a:srgbClr val="660033"/>
+                </a:solidFill>
+                <a:latin typeface="微軟正黑體" pitchFamily="34" charset="-120"/>
+                <a:ea typeface="微軟正黑體" pitchFamily="34" charset="-120"/>
+              </a:rPr>
+              <a:t>我救主為我還清罪債</a:t>
             </a:r>
           </a:p>
           <a:p>
@@ -3174,6 +3319,44 @@
               </a:rPr>
               <a:t>若我曾愛救主 於今更親愛</a:t>
             </a:r>
+          </a:p>
+        </p:txBody>
+      </p:sp>
+      <p:sp>
+        <p:nvSpPr>
+          <p:cNvPr id="2" name="TextBox 1"/>
+          <p:cNvSpPr txBox="1"/>
+          <p:nvPr/>
+        </p:nvSpPr>
+        <p:spPr>
+          <a:xfrm>
+            <a:off x="609600" y="1600201"/>
+            <a:ext cx="1165920" cy="1015663"/>
+          </a:xfrm>
+          <a:prstGeom prst="rect">
+            <a:avLst/>
+          </a:prstGeom>
+          <a:noFill/>
+        </p:spPr>
+        <p:txBody>
+          <a:bodyPr wrap="square" rtlCol="0">
+            <a:spAutoFit/>
+          </a:bodyPr>
+          <a:lstStyle/>
+          <a:p>
+            <a:r>
+              <a:rPr lang="en-US" sz="6000" b="1" dirty="0" smtClean="0">
+                <a:solidFill>
+                  <a:srgbClr val="660033"/>
+                </a:solidFill>
+              </a:rPr>
+              <a:t>1.</a:t>
+            </a:r>
+            <a:endParaRPr lang="vi-VN" sz="6000" b="1" dirty="0">
+              <a:solidFill>
+                <a:srgbClr val="660033"/>
+              </a:solidFill>
+            </a:endParaRPr>
           </a:p>
         </p:txBody>
       </p:sp>
@@ -3214,11 +3397,13 @@
         </p:nvSpPr>
         <p:spPr/>
         <p:txBody>
-          <a:bodyPr/>
-          <a:lstStyle/>
-          <a:p>
-            <a:r>
-              <a:rPr lang="zh-TW" altLang="en-US" b="1" dirty="0">
+          <a:bodyPr>
+            <a:normAutofit/>
+          </a:bodyPr>
+          <a:lstStyle/>
+          <a:p>
+            <a:r>
+              <a:rPr lang="zh-TW" altLang="en-US" sz="4800" b="1" dirty="0">
                 <a:solidFill>
                   <a:srgbClr val="660033"/>
                 </a:solidFill>
@@ -3305,6 +3490,52 @@
               </a:rPr>
               <a:t>若我曾愛救主 於今更親愛</a:t>
             </a:r>
+          </a:p>
+        </p:txBody>
+      </p:sp>
+      <p:sp>
+        <p:nvSpPr>
+          <p:cNvPr id="6" name="TextBox 5"/>
+          <p:cNvSpPr txBox="1"/>
+          <p:nvPr/>
+        </p:nvSpPr>
+        <p:spPr>
+          <a:xfrm>
+            <a:off x="609600" y="1600201"/>
+            <a:ext cx="1165920" cy="1015663"/>
+          </a:xfrm>
+          <a:prstGeom prst="rect">
+            <a:avLst/>
+          </a:prstGeom>
+          <a:noFill/>
+        </p:spPr>
+        <p:txBody>
+          <a:bodyPr wrap="square" rtlCol="0">
+            <a:spAutoFit/>
+          </a:bodyPr>
+          <a:lstStyle/>
+          <a:p>
+            <a:r>
+              <a:rPr lang="en-US" sz="6000" b="1" dirty="0">
+                <a:solidFill>
+                  <a:srgbClr val="660033"/>
+                </a:solidFill>
+              </a:rPr>
+              <a:t>2</a:t>
+            </a:r>
+            <a:r>
+              <a:rPr lang="en-US" sz="6000" b="1" dirty="0" smtClean="0">
+                <a:solidFill>
+                  <a:srgbClr val="660033"/>
+                </a:solidFill>
+              </a:rPr>
+              <a:t>.</a:t>
+            </a:r>
+            <a:endParaRPr lang="vi-VN" sz="6000" b="1" dirty="0">
+              <a:solidFill>
+                <a:srgbClr val="660033"/>
+              </a:solidFill>
+            </a:endParaRPr>
           </a:p>
         </p:txBody>
       </p:sp>
@@ -3345,11 +3576,13 @@
         </p:nvSpPr>
         <p:spPr/>
         <p:txBody>
-          <a:bodyPr/>
-          <a:lstStyle/>
-          <a:p>
-            <a:r>
-              <a:rPr lang="zh-TW" altLang="en-US" b="1" dirty="0">
+          <a:bodyPr>
+            <a:normAutofit/>
+          </a:bodyPr>
+          <a:lstStyle/>
+          <a:p>
+            <a:r>
+              <a:rPr lang="zh-TW" altLang="en-US" sz="4800" b="1" dirty="0">
                 <a:solidFill>
                   <a:srgbClr val="660033"/>
                 </a:solidFill>
@@ -3436,6 +3669,52 @@
               </a:rPr>
               <a:t>若我曾愛救主 於今更親愛</a:t>
             </a:r>
+          </a:p>
+        </p:txBody>
+      </p:sp>
+      <p:sp>
+        <p:nvSpPr>
+          <p:cNvPr id="6" name="TextBox 5"/>
+          <p:cNvSpPr txBox="1"/>
+          <p:nvPr/>
+        </p:nvSpPr>
+        <p:spPr>
+          <a:xfrm>
+            <a:off x="609600" y="1600201"/>
+            <a:ext cx="1165920" cy="1015663"/>
+          </a:xfrm>
+          <a:prstGeom prst="rect">
+            <a:avLst/>
+          </a:prstGeom>
+          <a:noFill/>
+        </p:spPr>
+        <p:txBody>
+          <a:bodyPr wrap="square" rtlCol="0">
+            <a:spAutoFit/>
+          </a:bodyPr>
+          <a:lstStyle/>
+          <a:p>
+            <a:r>
+              <a:rPr lang="en-US" sz="6000" b="1" dirty="0">
+                <a:solidFill>
+                  <a:srgbClr val="660033"/>
+                </a:solidFill>
+              </a:rPr>
+              <a:t>3</a:t>
+            </a:r>
+            <a:r>
+              <a:rPr lang="en-US" sz="6000" b="1" dirty="0" smtClean="0">
+                <a:solidFill>
+                  <a:srgbClr val="660033"/>
+                </a:solidFill>
+              </a:rPr>
+              <a:t>.</a:t>
+            </a:r>
+            <a:endParaRPr lang="vi-VN" sz="6000" b="1" dirty="0">
+              <a:solidFill>
+                <a:srgbClr val="660033"/>
+              </a:solidFill>
+            </a:endParaRPr>
           </a:p>
         </p:txBody>
       </p:sp>
@@ -3476,11 +3755,13 @@
         </p:nvSpPr>
         <p:spPr/>
         <p:txBody>
-          <a:bodyPr/>
-          <a:lstStyle/>
-          <a:p>
-            <a:r>
-              <a:rPr lang="zh-TW" altLang="en-US" b="1" dirty="0">
+          <a:bodyPr>
+            <a:normAutofit/>
+          </a:bodyPr>
+          <a:lstStyle/>
+          <a:p>
+            <a:r>
+              <a:rPr lang="zh-TW" altLang="en-US" sz="4800" b="1" dirty="0">
                 <a:solidFill>
                   <a:srgbClr val="660033"/>
                 </a:solidFill>
@@ -3567,6 +3848,52 @@
               </a:rPr>
               <a:t>若我曾愛救主 於今更親愛</a:t>
             </a:r>
+          </a:p>
+        </p:txBody>
+      </p:sp>
+      <p:sp>
+        <p:nvSpPr>
+          <p:cNvPr id="6" name="TextBox 5"/>
+          <p:cNvSpPr txBox="1"/>
+          <p:nvPr/>
+        </p:nvSpPr>
+        <p:spPr>
+          <a:xfrm>
+            <a:off x="609600" y="1600201"/>
+            <a:ext cx="1165920" cy="1015663"/>
+          </a:xfrm>
+          <a:prstGeom prst="rect">
+            <a:avLst/>
+          </a:prstGeom>
+          <a:noFill/>
+        </p:spPr>
+        <p:txBody>
+          <a:bodyPr wrap="square" rtlCol="0">
+            <a:spAutoFit/>
+          </a:bodyPr>
+          <a:lstStyle/>
+          <a:p>
+            <a:r>
+              <a:rPr lang="en-US" sz="6000" b="1" dirty="0">
+                <a:solidFill>
+                  <a:srgbClr val="660033"/>
+                </a:solidFill>
+              </a:rPr>
+              <a:t>4</a:t>
+            </a:r>
+            <a:r>
+              <a:rPr lang="en-US" sz="6000" b="1" dirty="0" smtClean="0">
+                <a:solidFill>
+                  <a:srgbClr val="660033"/>
+                </a:solidFill>
+              </a:rPr>
+              <a:t>.</a:t>
+            </a:r>
+            <a:endParaRPr lang="vi-VN" sz="6000" b="1" dirty="0">
+              <a:solidFill>
+                <a:srgbClr val="660033"/>
+              </a:solidFill>
+            </a:endParaRPr>
           </a:p>
         </p:txBody>
       </p:sp>

--- a/(宣道詩212)親愛耶穌.pptx
+++ b/(宣道詩212)親愛耶穌.pptx
@@ -10,7 +10,7 @@
     <p:sldId id="258" r:id="rId4"/>
     <p:sldId id="259" r:id="rId5"/>
   </p:sldIdLst>
-  <p:sldSz cx="9144000" cy="6858000" type="screen4x3"/>
+  <p:sldSz cx="9144000" cy="5143500" type="screen16x9"/>
   <p:notesSz cx="6858000" cy="9144000"/>
   <p:defaultTextStyle>
     <a:defPPr>
@@ -139,8 +139,8 @@
         </p:nvSpPr>
         <p:spPr>
           <a:xfrm>
-            <a:off x="685800" y="2130425"/>
-            <a:ext cx="7772400" cy="1470025"/>
+            <a:off x="685800" y="1597819"/>
+            <a:ext cx="7772400" cy="1102519"/>
           </a:xfrm>
         </p:spPr>
         <p:txBody>
@@ -167,8 +167,8 @@
         </p:nvSpPr>
         <p:spPr>
           <a:xfrm>
-            <a:off x="1371600" y="3886200"/>
-            <a:ext cx="6400800" cy="1752600"/>
+            <a:off x="1371600" y="2914650"/>
+            <a:ext cx="6400800" cy="1314450"/>
           </a:xfrm>
         </p:spPr>
         <p:txBody>
@@ -292,7 +292,7 @@
             <a:fld id="{7CE15595-A96D-4CC1-8386-BF68892F9851}" type="datetimeFigureOut">
               <a:rPr lang="zh-TW" altLang="en-US" smtClean="0"/>
               <a:pPr/>
-              <a:t>2017/9/3</a:t>
+              <a:t>2020/5/16</a:t>
             </a:fld>
             <a:endParaRPr lang="zh-TW" altLang="en-US"/>
           </a:p>
@@ -459,7 +459,7 @@
             <a:fld id="{7CE15595-A96D-4CC1-8386-BF68892F9851}" type="datetimeFigureOut">
               <a:rPr lang="zh-TW" altLang="en-US" smtClean="0"/>
               <a:pPr/>
-              <a:t>2017/9/3</a:t>
+              <a:t>2020/5/16</a:t>
             </a:fld>
             <a:endParaRPr lang="zh-TW" altLang="en-US"/>
           </a:p>
@@ -545,8 +545,8 @@
         </p:nvSpPr>
         <p:spPr>
           <a:xfrm>
-            <a:off x="6629400" y="274638"/>
-            <a:ext cx="2057400" cy="5851525"/>
+            <a:off x="6629400" y="205979"/>
+            <a:ext cx="2057400" cy="4388644"/>
           </a:xfrm>
         </p:spPr>
         <p:txBody>
@@ -573,8 +573,8 @@
         </p:nvSpPr>
         <p:spPr>
           <a:xfrm>
-            <a:off x="457200" y="274638"/>
-            <a:ext cx="6019800" cy="5851525"/>
+            <a:off x="457200" y="205979"/>
+            <a:ext cx="6019800" cy="4388644"/>
           </a:xfrm>
         </p:spPr>
         <p:txBody>
@@ -636,7 +636,7 @@
             <a:fld id="{7CE15595-A96D-4CC1-8386-BF68892F9851}" type="datetimeFigureOut">
               <a:rPr lang="zh-TW" altLang="en-US" smtClean="0"/>
               <a:pPr/>
-              <a:t>2017/9/3</a:t>
+              <a:t>2020/5/16</a:t>
             </a:fld>
             <a:endParaRPr lang="zh-TW" altLang="en-US"/>
           </a:p>
@@ -803,7 +803,7 @@
             <a:fld id="{7CE15595-A96D-4CC1-8386-BF68892F9851}" type="datetimeFigureOut">
               <a:rPr lang="zh-TW" altLang="en-US" smtClean="0"/>
               <a:pPr/>
-              <a:t>2017/9/3</a:t>
+              <a:t>2020/5/16</a:t>
             </a:fld>
             <a:endParaRPr lang="zh-TW" altLang="en-US"/>
           </a:p>
@@ -889,8 +889,8 @@
         </p:nvSpPr>
         <p:spPr>
           <a:xfrm>
-            <a:off x="722313" y="4406900"/>
-            <a:ext cx="7772400" cy="1362075"/>
+            <a:off x="722313" y="3305176"/>
+            <a:ext cx="7772400" cy="1021556"/>
           </a:xfrm>
         </p:spPr>
         <p:txBody>
@@ -921,8 +921,8 @@
         </p:nvSpPr>
         <p:spPr>
           <a:xfrm>
-            <a:off x="722313" y="2906713"/>
-            <a:ext cx="7772400" cy="1500187"/>
+            <a:off x="722313" y="2180035"/>
+            <a:ext cx="7772400" cy="1125140"/>
           </a:xfrm>
         </p:spPr>
         <p:txBody>
@@ -1046,7 +1046,7 @@
             <a:fld id="{7CE15595-A96D-4CC1-8386-BF68892F9851}" type="datetimeFigureOut">
               <a:rPr lang="zh-TW" altLang="en-US" smtClean="0"/>
               <a:pPr/>
-              <a:t>2017/9/3</a:t>
+              <a:t>2020/5/16</a:t>
             </a:fld>
             <a:endParaRPr lang="zh-TW" altLang="en-US"/>
           </a:p>
@@ -1155,8 +1155,8 @@
         </p:nvSpPr>
         <p:spPr>
           <a:xfrm>
-            <a:off x="457200" y="1600200"/>
-            <a:ext cx="4038600" cy="4525963"/>
+            <a:off x="457200" y="1200151"/>
+            <a:ext cx="4038600" cy="3394472"/>
           </a:xfrm>
         </p:spPr>
         <p:txBody>
@@ -1240,8 +1240,8 @@
         </p:nvSpPr>
         <p:spPr>
           <a:xfrm>
-            <a:off x="4648200" y="1600200"/>
-            <a:ext cx="4038600" cy="4525963"/>
+            <a:off x="4648200" y="1200151"/>
+            <a:ext cx="4038600" cy="3394472"/>
           </a:xfrm>
         </p:spPr>
         <p:txBody>
@@ -1331,7 +1331,7 @@
             <a:fld id="{7CE15595-A96D-4CC1-8386-BF68892F9851}" type="datetimeFigureOut">
               <a:rPr lang="zh-TW" altLang="en-US" smtClean="0"/>
               <a:pPr/>
-              <a:t>2017/9/3</a:t>
+              <a:t>2020/5/16</a:t>
             </a:fld>
             <a:endParaRPr lang="zh-TW" altLang="en-US"/>
           </a:p>
@@ -1444,8 +1444,8 @@
         </p:nvSpPr>
         <p:spPr>
           <a:xfrm>
-            <a:off x="457200" y="1535113"/>
-            <a:ext cx="4040188" cy="639762"/>
+            <a:off x="457200" y="1151335"/>
+            <a:ext cx="4040188" cy="479822"/>
           </a:xfrm>
         </p:spPr>
         <p:txBody>
@@ -1509,8 +1509,8 @@
         </p:nvSpPr>
         <p:spPr>
           <a:xfrm>
-            <a:off x="457200" y="2174875"/>
-            <a:ext cx="4040188" cy="3951288"/>
+            <a:off x="457200" y="1631156"/>
+            <a:ext cx="4040188" cy="2963466"/>
           </a:xfrm>
         </p:spPr>
         <p:txBody>
@@ -1594,8 +1594,8 @@
         </p:nvSpPr>
         <p:spPr>
           <a:xfrm>
-            <a:off x="4645025" y="1535113"/>
-            <a:ext cx="4041775" cy="639762"/>
+            <a:off x="4645026" y="1151335"/>
+            <a:ext cx="4041775" cy="479822"/>
           </a:xfrm>
         </p:spPr>
         <p:txBody>
@@ -1659,8 +1659,8 @@
         </p:nvSpPr>
         <p:spPr>
           <a:xfrm>
-            <a:off x="4645025" y="2174875"/>
-            <a:ext cx="4041775" cy="3951288"/>
+            <a:off x="4645026" y="1631156"/>
+            <a:ext cx="4041775" cy="2963466"/>
           </a:xfrm>
         </p:spPr>
         <p:txBody>
@@ -1750,7 +1750,7 @@
             <a:fld id="{7CE15595-A96D-4CC1-8386-BF68892F9851}" type="datetimeFigureOut">
               <a:rPr lang="zh-TW" altLang="en-US" smtClean="0"/>
               <a:pPr/>
-              <a:t>2017/9/3</a:t>
+              <a:t>2020/5/16</a:t>
             </a:fld>
             <a:endParaRPr lang="zh-TW" altLang="en-US"/>
           </a:p>
@@ -1865,7 +1865,7 @@
             <a:fld id="{7CE15595-A96D-4CC1-8386-BF68892F9851}" type="datetimeFigureOut">
               <a:rPr lang="zh-TW" altLang="en-US" smtClean="0"/>
               <a:pPr/>
-              <a:t>2017/9/3</a:t>
+              <a:t>2020/5/16</a:t>
             </a:fld>
             <a:endParaRPr lang="zh-TW" altLang="en-US"/>
           </a:p>
@@ -1957,7 +1957,7 @@
             <a:fld id="{7CE15595-A96D-4CC1-8386-BF68892F9851}" type="datetimeFigureOut">
               <a:rPr lang="zh-TW" altLang="en-US" smtClean="0"/>
               <a:pPr/>
-              <a:t>2017/9/3</a:t>
+              <a:t>2020/5/16</a:t>
             </a:fld>
             <a:endParaRPr lang="zh-TW" altLang="en-US"/>
           </a:p>
@@ -2043,8 +2043,8 @@
         </p:nvSpPr>
         <p:spPr>
           <a:xfrm>
-            <a:off x="457200" y="273050"/>
-            <a:ext cx="3008313" cy="1162050"/>
+            <a:off x="457201" y="204787"/>
+            <a:ext cx="3008313" cy="871538"/>
           </a:xfrm>
         </p:spPr>
         <p:txBody>
@@ -2075,8 +2075,8 @@
         </p:nvSpPr>
         <p:spPr>
           <a:xfrm>
-            <a:off x="3575050" y="273050"/>
-            <a:ext cx="5111750" cy="5853113"/>
+            <a:off x="3575050" y="204788"/>
+            <a:ext cx="5111750" cy="4389835"/>
           </a:xfrm>
         </p:spPr>
         <p:txBody>
@@ -2160,8 +2160,8 @@
         </p:nvSpPr>
         <p:spPr>
           <a:xfrm>
-            <a:off x="457200" y="1435100"/>
-            <a:ext cx="3008313" cy="4691063"/>
+            <a:off x="457201" y="1076326"/>
+            <a:ext cx="3008313" cy="3518297"/>
           </a:xfrm>
         </p:spPr>
         <p:txBody>
@@ -2231,7 +2231,7 @@
             <a:fld id="{7CE15595-A96D-4CC1-8386-BF68892F9851}" type="datetimeFigureOut">
               <a:rPr lang="zh-TW" altLang="en-US" smtClean="0"/>
               <a:pPr/>
-              <a:t>2017/9/3</a:t>
+              <a:t>2020/5/16</a:t>
             </a:fld>
             <a:endParaRPr lang="zh-TW" altLang="en-US"/>
           </a:p>
@@ -2317,8 +2317,8 @@
         </p:nvSpPr>
         <p:spPr>
           <a:xfrm>
-            <a:off x="1792288" y="4800600"/>
-            <a:ext cx="5486400" cy="566738"/>
+            <a:off x="1792288" y="3600450"/>
+            <a:ext cx="5486400" cy="425054"/>
           </a:xfrm>
         </p:spPr>
         <p:txBody>
@@ -2349,8 +2349,8 @@
         </p:nvSpPr>
         <p:spPr>
           <a:xfrm>
-            <a:off x="1792288" y="612775"/>
-            <a:ext cx="5486400" cy="4114800"/>
+            <a:off x="1792288" y="459581"/>
+            <a:ext cx="5486400" cy="3086100"/>
           </a:xfrm>
         </p:spPr>
         <p:txBody>
@@ -2414,8 +2414,8 @@
         </p:nvSpPr>
         <p:spPr>
           <a:xfrm>
-            <a:off x="1792288" y="5367338"/>
-            <a:ext cx="5486400" cy="804862"/>
+            <a:off x="1792288" y="4025503"/>
+            <a:ext cx="5486400" cy="603647"/>
           </a:xfrm>
         </p:spPr>
         <p:txBody>
@@ -2485,7 +2485,7 @@
             <a:fld id="{7CE15595-A96D-4CC1-8386-BF68892F9851}" type="datetimeFigureOut">
               <a:rPr lang="zh-TW" altLang="en-US" smtClean="0"/>
               <a:pPr/>
-              <a:t>2017/9/3</a:t>
+              <a:t>2020/5/16</a:t>
             </a:fld>
             <a:endParaRPr lang="zh-TW" altLang="en-US"/>
           </a:p>
@@ -2581,8 +2581,8 @@
         </p:nvSpPr>
         <p:spPr>
           <a:xfrm>
-            <a:off x="457200" y="274638"/>
-            <a:ext cx="8229600" cy="1143000"/>
+            <a:off x="457200" y="205978"/>
+            <a:ext cx="8229600" cy="857250"/>
           </a:xfrm>
           <a:prstGeom prst="rect">
             <a:avLst/>
@@ -2614,8 +2614,8 @@
         </p:nvSpPr>
         <p:spPr>
           <a:xfrm>
-            <a:off x="457200" y="1600200"/>
-            <a:ext cx="8229600" cy="4525963"/>
+            <a:off x="457200" y="1200151"/>
+            <a:ext cx="8229600" cy="3394472"/>
           </a:xfrm>
           <a:prstGeom prst="rect">
             <a:avLst/>
@@ -2676,8 +2676,8 @@
         </p:nvSpPr>
         <p:spPr>
           <a:xfrm>
-            <a:off x="457200" y="6356350"/>
-            <a:ext cx="2133600" cy="365125"/>
+            <a:off x="457200" y="4767263"/>
+            <a:ext cx="2133600" cy="273844"/>
           </a:xfrm>
           <a:prstGeom prst="rect">
             <a:avLst/>
@@ -2700,7 +2700,7 @@
             <a:fld id="{7CE15595-A96D-4CC1-8386-BF68892F9851}" type="datetimeFigureOut">
               <a:rPr lang="zh-TW" altLang="en-US" smtClean="0"/>
               <a:pPr/>
-              <a:t>2017/9/3</a:t>
+              <a:t>2020/5/16</a:t>
             </a:fld>
             <a:endParaRPr lang="zh-TW" altLang="en-US"/>
           </a:p>
@@ -2718,8 +2718,8 @@
         </p:nvSpPr>
         <p:spPr>
           <a:xfrm>
-            <a:off x="3124200" y="6356350"/>
-            <a:ext cx="2895600" cy="365125"/>
+            <a:off x="3124200" y="4767263"/>
+            <a:ext cx="2895600" cy="273844"/>
           </a:xfrm>
           <a:prstGeom prst="rect">
             <a:avLst/>
@@ -2755,8 +2755,8 @@
         </p:nvSpPr>
         <p:spPr>
           <a:xfrm>
-            <a:off x="6553200" y="6356350"/>
-            <a:ext cx="2133600" cy="365125"/>
+            <a:off x="6553200" y="4767263"/>
+            <a:ext cx="2133600" cy="273844"/>
           </a:xfrm>
           <a:prstGeom prst="rect">
             <a:avLst/>
@@ -3112,7 +3112,7 @@
         <p:spPr/>
         <p:txBody>
           <a:bodyPr>
-            <a:normAutofit/>
+            <a:normAutofit fontScale="92500" lnSpcReduction="10000"/>
           </a:bodyPr>
           <a:lstStyle/>
           <a:p>
@@ -3243,7 +3243,7 @@
         <p:spPr/>
         <p:txBody>
           <a:bodyPr>
-            <a:normAutofit/>
+            <a:normAutofit fontScale="92500" lnSpcReduction="10000"/>
           </a:bodyPr>
           <a:lstStyle/>
           <a:p>
@@ -3374,7 +3374,7 @@
         <p:spPr/>
         <p:txBody>
           <a:bodyPr>
-            <a:normAutofit/>
+            <a:normAutofit fontScale="92500" lnSpcReduction="10000"/>
           </a:bodyPr>
           <a:lstStyle/>
           <a:p>
@@ -3505,7 +3505,7 @@
         <p:spPr/>
         <p:txBody>
           <a:bodyPr>
-            <a:normAutofit/>
+            <a:normAutofit fontScale="92500" lnSpcReduction="10000"/>
           </a:bodyPr>
           <a:lstStyle/>
           <a:p>
